--- a/techtalk/CloudDNS-TechTalk-0-CoverAndAgenda.pptx
+++ b/techtalk/CloudDNS-TechTalk-0-CoverAndAgenda.pptx
@@ -6,15 +6,14 @@
     <p:sldMasterId id="2147483649" r:id="rId5"/>
   </p:sldMasterIdLst>
   <p:notesMasterIdLst>
-    <p:notesMasterId r:id="rId9"/>
+    <p:notesMasterId r:id="rId8"/>
   </p:notesMasterIdLst>
   <p:handoutMasterIdLst>
-    <p:handoutMasterId r:id="rId10"/>
+    <p:handoutMasterId r:id="rId9"/>
   </p:handoutMasterIdLst>
   <p:sldIdLst>
     <p:sldId id="256" r:id="rId6"/>
     <p:sldId id="280" r:id="rId7"/>
-    <p:sldId id="281" r:id="rId8"/>
   </p:sldIdLst>
   <p:sldSz cx="9144000" cy="6858000" type="screen4x3"/>
   <p:notesSz cx="6858000" cy="9144000"/>
@@ -957,635 +956,6 @@
     <p:extLst>
       <p:ext uri="{BB962C8B-B14F-4D97-AF65-F5344CB8AC3E}">
         <p14:creationId xmlns:p14="http://schemas.microsoft.com/office/powerpoint/2010/main" val="662730505"/>
-      </p:ext>
-    </p:extLst>
-  </p:cSld>
-  <p:clrMapOvr>
-    <a:masterClrMapping/>
-  </p:clrMapOvr>
-</p:notes>
-</file>
-
-<file path=ppt/notesSlides/notesSlide3.xml><?xml version="1.0" encoding="utf-8"?>
-<p:notes xmlns:a="http://schemas.openxmlformats.org/drawingml/2006/main" xmlns:r="http://schemas.openxmlformats.org/officeDocument/2006/relationships" xmlns:p="http://schemas.openxmlformats.org/presentationml/2006/main">
-  <p:cSld>
-    <p:spTree>
-      <p:nvGrpSpPr>
-        <p:cNvPr id="1" name=""/>
-        <p:cNvGrpSpPr/>
-        <p:nvPr/>
-      </p:nvGrpSpPr>
-      <p:grpSpPr>
-        <a:xfrm>
-          <a:off x="0" y="0"/>
-          <a:ext cx="0" cy="0"/>
-          <a:chOff x="0" y="0"/>
-          <a:chExt cx="0" cy="0"/>
-        </a:xfrm>
-      </p:grpSpPr>
-      <p:sp>
-        <p:nvSpPr>
-          <p:cNvPr id="2" name="Slide Image Placeholder 1"/>
-          <p:cNvSpPr>
-            <a:spLocks noGrp="1" noRot="1" noChangeAspect="1"/>
-          </p:cNvSpPr>
-          <p:nvPr>
-            <p:ph type="sldImg"/>
-          </p:nvPr>
-        </p:nvSpPr>
-        <p:spPr/>
-      </p:sp>
-      <p:sp>
-        <p:nvSpPr>
-          <p:cNvPr id="3" name="Notes Placeholder 2"/>
-          <p:cNvSpPr>
-            <a:spLocks noGrp="1"/>
-          </p:cNvSpPr>
-          <p:nvPr>
-            <p:ph type="body" idx="1"/>
-          </p:nvPr>
-        </p:nvSpPr>
-        <p:spPr/>
-        <p:txBody>
-          <a:bodyPr/>
-          <a:lstStyle/>
-          <a:p>
-            <a:r>
-              <a:rPr lang="en-US" sz="1200" kern="1200" dirty="0" smtClean="0">
-                <a:solidFill>
-                  <a:schemeClr val="tx1"/>
-                </a:solidFill>
-                <a:latin typeface="+mn-lt"/>
-                <a:ea typeface="+mn-ea"/>
-                <a:cs typeface="+mn-cs"/>
-              </a:rPr>
-              <a:t>The Domain Name System is essentially the phone</a:t>
-            </a:r>
-            <a:r>
-              <a:rPr lang="en-US" sz="1200" kern="1200" baseline="0" dirty="0" smtClean="0">
-                <a:solidFill>
-                  <a:schemeClr val="tx1"/>
-                </a:solidFill>
-                <a:latin typeface="+mn-lt"/>
-                <a:ea typeface="+mn-ea"/>
-                <a:cs typeface="+mn-cs"/>
-              </a:rPr>
-              <a:t>book for the internet.   It manages the relationships between IP address (the phone numbers), and domains (individuals and corporations).  </a:t>
-            </a:r>
-            <a:r>
-              <a:rPr lang="en-US" sz="1200" kern="1200" dirty="0" smtClean="0">
-                <a:solidFill>
-                  <a:schemeClr val="tx1"/>
-                </a:solidFill>
-                <a:latin typeface="+mn-lt"/>
-                <a:ea typeface="+mn-ea"/>
-                <a:cs typeface="+mn-cs"/>
-              </a:rPr>
-              <a:t>All domains and their components, such as mail servers, utilize DNS to resolve to the appropriate locations.</a:t>
-            </a:r>
-          </a:p>
-          <a:p>
-            <a:endParaRPr lang="en-US" sz="1200" kern="1200" dirty="0" smtClean="0">
-              <a:solidFill>
-                <a:schemeClr val="tx1"/>
-              </a:solidFill>
-              <a:latin typeface="+mn-lt"/>
-              <a:ea typeface="+mn-ea"/>
-              <a:cs typeface="+mn-cs"/>
-            </a:endParaRPr>
-          </a:p>
-          <a:p>
-            <a:pPr marL="171450" indent="-171450">
-              <a:buFont typeface="Arial"/>
-              <a:buChar char="•"/>
-            </a:pPr>
-            <a:r>
-              <a:rPr lang="en-US" sz="1200" b="1" kern="1200" dirty="0" smtClean="0">
-                <a:solidFill>
-                  <a:schemeClr val="tx1"/>
-                </a:solidFill>
-                <a:latin typeface="+mn-lt"/>
-                <a:ea typeface="+mn-ea"/>
-                <a:cs typeface="+mn-cs"/>
-              </a:rPr>
-              <a:t>Domians:</a:t>
-            </a:r>
-            <a:r>
-              <a:rPr lang="en-US" sz="1200" kern="1200" dirty="0" smtClean="0">
-                <a:solidFill>
-                  <a:schemeClr val="tx1"/>
-                </a:solidFill>
-                <a:latin typeface="+mn-lt"/>
-                <a:ea typeface="+mn-ea"/>
-                <a:cs typeface="+mn-cs"/>
-              </a:rPr>
-              <a:t> A domain is an entity/container of all DNS-related information containing one or more records.</a:t>
-            </a:r>
-          </a:p>
-          <a:p>
-            <a:pPr marL="171450" indent="-171450">
-              <a:buFont typeface="Arial"/>
-              <a:buChar char="•"/>
-            </a:pPr>
-            <a:r>
-              <a:rPr lang="en-US" sz="1200" b="1" kern="1200" dirty="0" smtClean="0">
-                <a:solidFill>
-                  <a:schemeClr val="tx1"/>
-                </a:solidFill>
-                <a:latin typeface="+mn-lt"/>
-                <a:ea typeface="+mn-ea"/>
-                <a:cs typeface="+mn-cs"/>
-              </a:rPr>
-              <a:t>Subdomians: </a:t>
-            </a:r>
-            <a:r>
-              <a:rPr lang="en-US" sz="1200" kern="1200" dirty="0" smtClean="0">
-                <a:solidFill>
-                  <a:schemeClr val="tx1"/>
-                </a:solidFill>
-                <a:latin typeface="+mn-lt"/>
-                <a:ea typeface="+mn-ea"/>
-                <a:cs typeface="+mn-cs"/>
-              </a:rPr>
-              <a:t>Subdomains are domains within a parent domain, and subdomains cannot be registered.</a:t>
-            </a:r>
-            <a:r>
-              <a:rPr lang="en-US" sz="1200" kern="1200" baseline="0" dirty="0" smtClean="0">
-                <a:solidFill>
-                  <a:schemeClr val="tx1"/>
-                </a:solidFill>
-                <a:latin typeface="+mn-lt"/>
-                <a:ea typeface="+mn-ea"/>
-                <a:cs typeface="+mn-cs"/>
-              </a:rPr>
-              <a:t> </a:t>
-            </a:r>
-            <a:r>
-              <a:rPr lang="en-US" sz="1200" kern="1200" dirty="0" smtClean="0">
-                <a:solidFill>
-                  <a:schemeClr val="tx1"/>
-                </a:solidFill>
-                <a:latin typeface="+mn-lt"/>
-                <a:ea typeface="+mn-ea"/>
-                <a:cs typeface="+mn-cs"/>
-              </a:rPr>
-              <a:t>Subdomains allow you to delegate domains. Subdomains can themselves have subdomains,</a:t>
-            </a:r>
-            <a:r>
-              <a:rPr lang="en-US" sz="1200" kern="1200" baseline="0" dirty="0" smtClean="0">
-                <a:solidFill>
-                  <a:schemeClr val="tx1"/>
-                </a:solidFill>
-                <a:latin typeface="+mn-lt"/>
-                <a:ea typeface="+mn-ea"/>
-                <a:cs typeface="+mn-cs"/>
-              </a:rPr>
-              <a:t> </a:t>
-            </a:r>
-            <a:r>
-              <a:rPr lang="en-US" sz="1200" kern="1200" dirty="0" smtClean="0">
-                <a:solidFill>
-                  <a:schemeClr val="tx1"/>
-                </a:solidFill>
-                <a:latin typeface="+mn-lt"/>
-                <a:ea typeface="+mn-ea"/>
-                <a:cs typeface="+mn-cs"/>
-              </a:rPr>
-              <a:t>so third-level, fourth-level, fifth-level, and deeper levels of nesting are possible.</a:t>
-            </a:r>
-          </a:p>
-          <a:p>
-            <a:pPr marL="171450" indent="-171450">
-              <a:buFont typeface="Arial"/>
-              <a:buChar char="•"/>
-            </a:pPr>
-            <a:r>
-              <a:rPr lang="en-US" sz="1200" b="1" kern="1200" dirty="0" smtClean="0">
-                <a:solidFill>
-                  <a:schemeClr val="tx1"/>
-                </a:solidFill>
-                <a:latin typeface="+mn-lt"/>
-                <a:ea typeface="+mn-ea"/>
-                <a:cs typeface="+mn-cs"/>
-              </a:rPr>
-              <a:t>Records:</a:t>
-            </a:r>
-            <a:r>
-              <a:rPr lang="en-US" sz="1200" kern="1200" baseline="0" dirty="0" smtClean="0">
-                <a:solidFill>
-                  <a:schemeClr val="tx1"/>
-                </a:solidFill>
-                <a:latin typeface="+mn-lt"/>
-                <a:ea typeface="+mn-ea"/>
-                <a:cs typeface="+mn-cs"/>
-              </a:rPr>
-              <a:t> </a:t>
-            </a:r>
-            <a:r>
-              <a:rPr lang="en-US" sz="1200" kern="1200" dirty="0" smtClean="0">
-                <a:solidFill>
-                  <a:schemeClr val="tx1"/>
-                </a:solidFill>
-                <a:latin typeface="+mn-lt"/>
-                <a:ea typeface="+mn-ea"/>
-                <a:cs typeface="+mn-cs"/>
-              </a:rPr>
-              <a:t>A DNS record belongs to a particular domain and is used to specify information about the domain. There are several types of DNS records. Each record type contains particular information used to describe that record’s purpose. Examples include mail exchange (MX) records which specify the mail server for a particular domain and name server (NS) records which specify the authoritative name servers for a domain.</a:t>
-            </a:r>
-          </a:p>
-          <a:p>
-            <a:pPr marL="0" indent="0">
-              <a:buFont typeface="Arial"/>
-              <a:buNone/>
-            </a:pPr>
-            <a:endParaRPr lang="en-US" dirty="0" smtClean="0"/>
-          </a:p>
-          <a:p>
-            <a:pPr marL="0" indent="0">
-              <a:buFont typeface="Arial"/>
-              <a:buNone/>
-            </a:pPr>
-            <a:r>
-              <a:rPr lang="en-US" b="1" dirty="0" smtClean="0"/>
-              <a:t>Existing Rackspace</a:t>
-            </a:r>
-            <a:r>
-              <a:rPr lang="en-US" b="1" baseline="0" dirty="0" smtClean="0"/>
-              <a:t> </a:t>
-            </a:r>
-            <a:r>
-              <a:rPr lang="en-US" b="1" dirty="0" smtClean="0"/>
-              <a:t>DNS Infrastructure (Globally Distributed Anycast Network)</a:t>
-            </a:r>
-          </a:p>
-          <a:p>
-            <a:r>
-              <a:rPr lang="en-US" sz="1200" kern="1200" dirty="0" smtClean="0">
-                <a:solidFill>
-                  <a:schemeClr val="tx1"/>
-                </a:solidFill>
-                <a:latin typeface="+mn-lt"/>
-                <a:ea typeface="+mn-ea"/>
-                <a:cs typeface="+mn-cs"/>
-              </a:rPr>
-              <a:t>Rackspace currently has DNS servers located in Texas, Virginia, Chicago, Hong Kong and London.</a:t>
-            </a:r>
-            <a:r>
-              <a:rPr lang="en-US" sz="1200" kern="1200" baseline="0" dirty="0" smtClean="0">
-                <a:solidFill>
-                  <a:schemeClr val="tx1"/>
-                </a:solidFill>
-                <a:latin typeface="+mn-lt"/>
-                <a:ea typeface="+mn-ea"/>
-                <a:cs typeface="+mn-cs"/>
-              </a:rPr>
-              <a:t> </a:t>
-            </a:r>
-            <a:r>
-              <a:rPr lang="en-US" sz="1200" kern="1200" dirty="0" smtClean="0">
-                <a:solidFill>
-                  <a:schemeClr val="tx1"/>
-                </a:solidFill>
-                <a:latin typeface="+mn-lt"/>
-                <a:ea typeface="+mn-ea"/>
-                <a:cs typeface="+mn-cs"/>
-              </a:rPr>
-              <a:t>Within each datacenter, we have our nameservers split up so that</a:t>
-            </a:r>
-            <a:r>
-              <a:rPr lang="en-US" sz="1200" kern="1200" baseline="0" dirty="0" smtClean="0">
-                <a:solidFill>
-                  <a:schemeClr val="tx1"/>
-                </a:solidFill>
-                <a:latin typeface="+mn-lt"/>
-                <a:ea typeface="+mn-ea"/>
-                <a:cs typeface="+mn-cs"/>
-              </a:rPr>
-              <a:t> </a:t>
-            </a:r>
-            <a:r>
-              <a:rPr lang="en-US" sz="1200" kern="1200" dirty="0" smtClean="0">
-                <a:solidFill>
-                  <a:schemeClr val="tx1"/>
-                </a:solidFill>
-                <a:latin typeface="+mn-lt"/>
-                <a:ea typeface="+mn-ea"/>
-                <a:cs typeface="+mn-cs"/>
-              </a:rPr>
-              <a:t>we have no single point of failure</a:t>
-            </a:r>
-            <a:r>
-              <a:rPr lang="en-US" sz="1200" kern="1200" baseline="0" dirty="0" smtClean="0">
-                <a:solidFill>
-                  <a:schemeClr val="tx1"/>
-                </a:solidFill>
-                <a:latin typeface="+mn-lt"/>
-                <a:ea typeface="+mn-ea"/>
-                <a:cs typeface="+mn-cs"/>
-              </a:rPr>
-              <a:t> </a:t>
-            </a:r>
-            <a:r>
-              <a:rPr lang="en-US" sz="1200" kern="1200" dirty="0" smtClean="0">
-                <a:solidFill>
-                  <a:schemeClr val="tx1"/>
-                </a:solidFill>
-                <a:latin typeface="+mn-lt"/>
-                <a:ea typeface="+mn-ea"/>
-                <a:cs typeface="+mn-cs"/>
-              </a:rPr>
-              <a:t>in front of our DNS servers.</a:t>
-            </a:r>
-          </a:p>
-          <a:p>
-            <a:endParaRPr lang="en-US" sz="1200" kern="1200" dirty="0" smtClean="0">
-              <a:solidFill>
-                <a:schemeClr val="tx1"/>
-              </a:solidFill>
-              <a:latin typeface="+mn-lt"/>
-              <a:ea typeface="+mn-ea"/>
-              <a:cs typeface="+mn-cs"/>
-            </a:endParaRPr>
-          </a:p>
-          <a:p>
-            <a:r>
-              <a:rPr lang="en-US" sz="1200" kern="1200" dirty="0" smtClean="0">
-                <a:solidFill>
-                  <a:schemeClr val="tx1"/>
-                </a:solidFill>
-                <a:latin typeface="+mn-lt"/>
-                <a:ea typeface="+mn-ea"/>
-                <a:cs typeface="+mn-cs"/>
-              </a:rPr>
-              <a:t>Using anycast, we broadcast</a:t>
-            </a:r>
-            <a:r>
-              <a:rPr lang="en-US" sz="1200" kern="1200" baseline="0" dirty="0" smtClean="0">
-                <a:solidFill>
-                  <a:schemeClr val="tx1"/>
-                </a:solidFill>
-                <a:latin typeface="+mn-lt"/>
-                <a:ea typeface="+mn-ea"/>
-                <a:cs typeface="+mn-cs"/>
-              </a:rPr>
-              <a:t> </a:t>
-            </a:r>
-            <a:r>
-              <a:rPr lang="en-US" sz="1200" kern="1200" dirty="0" smtClean="0">
-                <a:solidFill>
-                  <a:schemeClr val="tx1"/>
-                </a:solidFill>
-                <a:latin typeface="+mn-lt"/>
-                <a:ea typeface="+mn-ea"/>
-                <a:cs typeface="+mn-cs"/>
-              </a:rPr>
-              <a:t>IP addresses</a:t>
-            </a:r>
-            <a:r>
-              <a:rPr lang="en-US" sz="1200" kern="1200" baseline="0" dirty="0" smtClean="0">
-                <a:solidFill>
-                  <a:schemeClr val="tx1"/>
-                </a:solidFill>
-                <a:latin typeface="+mn-lt"/>
-                <a:ea typeface="+mn-ea"/>
-                <a:cs typeface="+mn-cs"/>
-              </a:rPr>
-              <a:t> </a:t>
-            </a:r>
-            <a:r>
-              <a:rPr lang="en-US" sz="1200" kern="1200" dirty="0" smtClean="0">
-                <a:solidFill>
-                  <a:schemeClr val="tx1"/>
-                </a:solidFill>
-                <a:latin typeface="+mn-lt"/>
-                <a:ea typeface="+mn-ea"/>
-                <a:cs typeface="+mn-cs"/>
-              </a:rPr>
-              <a:t>from each location.  This gives us two advantages.</a:t>
-            </a:r>
-          </a:p>
-          <a:p>
-            <a:pPr marL="171450" indent="-171450">
-              <a:buFont typeface="Arial"/>
-              <a:buChar char="•"/>
-            </a:pPr>
-            <a:r>
-              <a:rPr lang="en-US" sz="1200" kern="1200" dirty="0" smtClean="0">
-                <a:solidFill>
-                  <a:schemeClr val="tx1"/>
-                </a:solidFill>
-                <a:latin typeface="+mn-lt"/>
-                <a:ea typeface="+mn-ea"/>
-                <a:cs typeface="+mn-cs"/>
-              </a:rPr>
-              <a:t>The DNS queries will generally go to the geographically closest</a:t>
-            </a:r>
-            <a:r>
-              <a:rPr lang="en-US" sz="1200" kern="1200" baseline="0" dirty="0" smtClean="0">
-                <a:solidFill>
-                  <a:schemeClr val="tx1"/>
-                </a:solidFill>
-                <a:latin typeface="+mn-lt"/>
-                <a:ea typeface="+mn-ea"/>
-                <a:cs typeface="+mn-cs"/>
-              </a:rPr>
-              <a:t> </a:t>
-            </a:r>
-            <a:r>
-              <a:rPr lang="en-US" sz="1200" kern="1200" dirty="0" smtClean="0">
-                <a:solidFill>
-                  <a:schemeClr val="tx1"/>
-                </a:solidFill>
-                <a:latin typeface="+mn-lt"/>
-                <a:ea typeface="+mn-ea"/>
-                <a:cs typeface="+mn-cs"/>
-              </a:rPr>
-              <a:t>nameservers.  This gives faster results no matter where the queries originate.  </a:t>
-            </a:r>
-          </a:p>
-          <a:p>
-            <a:pPr marL="171450" indent="-171450">
-              <a:buFont typeface="Arial"/>
-              <a:buChar char="•"/>
-            </a:pPr>
-            <a:r>
-              <a:rPr lang="en-US" sz="1200" kern="1200" dirty="0" smtClean="0">
-                <a:solidFill>
-                  <a:schemeClr val="tx1"/>
-                </a:solidFill>
-                <a:latin typeface="+mn-lt"/>
-                <a:ea typeface="+mn-ea"/>
-                <a:cs typeface="+mn-cs"/>
-              </a:rPr>
-              <a:t>If an entire datacenter were to fail, or even if</a:t>
-            </a:r>
-            <a:r>
-              <a:rPr lang="en-US" sz="1200" kern="1200" baseline="0" dirty="0" smtClean="0">
-                <a:solidFill>
-                  <a:schemeClr val="tx1"/>
-                </a:solidFill>
-                <a:latin typeface="+mn-lt"/>
-                <a:ea typeface="+mn-ea"/>
-                <a:cs typeface="+mn-cs"/>
-              </a:rPr>
-              <a:t> </a:t>
-            </a:r>
-            <a:r>
-              <a:rPr lang="en-US" sz="1200" kern="1200" dirty="0" smtClean="0">
-                <a:solidFill>
-                  <a:schemeClr val="tx1"/>
-                </a:solidFill>
-                <a:latin typeface="+mn-lt"/>
-                <a:ea typeface="+mn-ea"/>
-                <a:cs typeface="+mn-cs"/>
-              </a:rPr>
-              <a:t>all of the DNS servers within a specific datacenter were to fail, the</a:t>
-            </a:r>
-            <a:r>
-              <a:rPr lang="en-US" sz="1200" kern="1200" baseline="0" dirty="0" smtClean="0">
-                <a:solidFill>
-                  <a:schemeClr val="tx1"/>
-                </a:solidFill>
-                <a:latin typeface="+mn-lt"/>
-                <a:ea typeface="+mn-ea"/>
-                <a:cs typeface="+mn-cs"/>
-              </a:rPr>
-              <a:t> </a:t>
-            </a:r>
-            <a:r>
-              <a:rPr lang="en-US" sz="1200" kern="1200" dirty="0" smtClean="0">
-                <a:solidFill>
-                  <a:schemeClr val="tx1"/>
-                </a:solidFill>
-                <a:latin typeface="+mn-lt"/>
-                <a:ea typeface="+mn-ea"/>
-                <a:cs typeface="+mn-cs"/>
-              </a:rPr>
-              <a:t>DNS queries will automatically start going to the next best location.</a:t>
-            </a:r>
-          </a:p>
-          <a:p>
-            <a:pPr marL="0" indent="0">
-              <a:buFont typeface="Arial"/>
-              <a:buNone/>
-            </a:pPr>
-            <a:endParaRPr lang="en-US" sz="1200" kern="1200" dirty="0" smtClean="0">
-              <a:solidFill>
-                <a:schemeClr val="tx1"/>
-              </a:solidFill>
-              <a:latin typeface="+mn-lt"/>
-              <a:ea typeface="+mn-ea"/>
-              <a:cs typeface="+mn-cs"/>
-            </a:endParaRPr>
-          </a:p>
-          <a:p>
-            <a:r>
-              <a:rPr lang="en-US" sz="1200" kern="1200" dirty="0" smtClean="0">
-                <a:solidFill>
-                  <a:schemeClr val="tx1"/>
-                </a:solidFill>
-                <a:latin typeface="+mn-lt"/>
-                <a:ea typeface="+mn-ea"/>
-                <a:cs typeface="+mn-cs"/>
-              </a:rPr>
-              <a:t>All of our DNS servers are monitored 24/7, and we receive alerts in our</a:t>
-            </a:r>
-            <a:r>
-              <a:rPr lang="en-US" sz="1200" kern="1200" baseline="0" dirty="0" smtClean="0">
-                <a:solidFill>
-                  <a:schemeClr val="tx1"/>
-                </a:solidFill>
-                <a:latin typeface="+mn-lt"/>
-                <a:ea typeface="+mn-ea"/>
-                <a:cs typeface="+mn-cs"/>
-              </a:rPr>
-              <a:t> </a:t>
-            </a:r>
-            <a:r>
-              <a:rPr lang="en-US" sz="1200" kern="1200" dirty="0" smtClean="0">
-                <a:solidFill>
-                  <a:schemeClr val="tx1"/>
-                </a:solidFill>
-                <a:latin typeface="+mn-lt"/>
-                <a:ea typeface="+mn-ea"/>
-                <a:cs typeface="+mn-cs"/>
-              </a:rPr>
-              <a:t>email and on our phones if anything goes wrong.</a:t>
-            </a:r>
-          </a:p>
-          <a:p>
-            <a:pPr marL="0" indent="0">
-              <a:buFont typeface="Arial"/>
-              <a:buNone/>
-            </a:pPr>
-            <a:endParaRPr lang="en-US" sz="1200" kern="1200" dirty="0" smtClean="0">
-              <a:solidFill>
-                <a:schemeClr val="tx1"/>
-              </a:solidFill>
-              <a:latin typeface="+mn-lt"/>
-              <a:ea typeface="+mn-ea"/>
-              <a:cs typeface="+mn-cs"/>
-            </a:endParaRPr>
-          </a:p>
-          <a:p>
-            <a:pPr marL="0" indent="0">
-              <a:buFont typeface="Arial"/>
-              <a:buNone/>
-            </a:pPr>
-            <a:r>
-              <a:rPr lang="en-US" sz="1200" i="1" kern="1200" dirty="0" smtClean="0">
-                <a:solidFill>
-                  <a:schemeClr val="tx1"/>
-                </a:solidFill>
-                <a:latin typeface="+mn-lt"/>
-                <a:ea typeface="+mn-ea"/>
-                <a:cs typeface="+mn-cs"/>
-              </a:rPr>
-              <a:t>See Jason</a:t>
-            </a:r>
-            <a:r>
-              <a:rPr lang="en-US" sz="1200" i="1" kern="1200" baseline="0" dirty="0" smtClean="0">
-                <a:solidFill>
-                  <a:schemeClr val="tx1"/>
-                </a:solidFill>
-                <a:latin typeface="+mn-lt"/>
-                <a:ea typeface="+mn-ea"/>
-                <a:cs typeface="+mn-cs"/>
-              </a:rPr>
-              <a:t> Bratton for more information on our DNS infrastructure.</a:t>
-            </a:r>
-            <a:endParaRPr lang="en-US" i="1" dirty="0"/>
-          </a:p>
-        </p:txBody>
-      </p:sp>
-      <p:sp>
-        <p:nvSpPr>
-          <p:cNvPr id="4" name="Slide Number Placeholder 3"/>
-          <p:cNvSpPr>
-            <a:spLocks noGrp="1"/>
-          </p:cNvSpPr>
-          <p:nvPr>
-            <p:ph type="sldNum" sz="quarter" idx="10"/>
-          </p:nvPr>
-        </p:nvSpPr>
-        <p:spPr/>
-        <p:txBody>
-          <a:bodyPr/>
-          <a:lstStyle/>
-          <a:p>
-            <a:fld id="{A5E8145B-E57F-7042-809D-EFEA36287416}" type="slidenum">
-              <a:rPr lang="en-US" smtClean="0"/>
-              <a:pPr/>
-              <a:t>3</a:t>
-            </a:fld>
-            <a:endParaRPr lang="en-US" dirty="0"/>
-          </a:p>
-        </p:txBody>
-      </p:sp>
-    </p:spTree>
-    <p:extLst>
-      <p:ext uri="{BB962C8B-B14F-4D97-AF65-F5344CB8AC3E}">
-        <p14:creationId xmlns:p14="http://schemas.microsoft.com/office/powerpoint/2010/main" val="2751694531"/>
       </p:ext>
     </p:extLst>
   </p:cSld>
@@ -8256,197 +7626,6 @@
     <p:extLst>
       <p:ext uri="{BB962C8B-B14F-4D97-AF65-F5344CB8AC3E}">
         <p14:creationId xmlns:p14="http://schemas.microsoft.com/office/powerpoint/2010/main" val="302222980"/>
-      </p:ext>
-    </p:extLst>
-  </p:cSld>
-  <p:clrMapOvr>
-    <a:masterClrMapping/>
-  </p:clrMapOvr>
-  <p:transition xmlns:p14="http://schemas.microsoft.com/office/powerpoint/2010/main"/>
-  <p:timing>
-    <p:tnLst>
-      <p:par>
-        <p:cTn xmlns:p14="http://schemas.microsoft.com/office/powerpoint/2010/main" id="1" dur="indefinite" restart="never" nodeType="tmRoot"/>
-      </p:par>
-    </p:tnLst>
-  </p:timing>
-</p:sld>
-</file>
-
-<file path=ppt/slides/slide3.xml><?xml version="1.0" encoding="utf-8"?>
-<p:sld xmlns:a="http://schemas.openxmlformats.org/drawingml/2006/main" xmlns:r="http://schemas.openxmlformats.org/officeDocument/2006/relationships" xmlns:p="http://schemas.openxmlformats.org/presentationml/2006/main">
-  <p:cSld>
-    <p:spTree>
-      <p:nvGrpSpPr>
-        <p:cNvPr id="1" name=""/>
-        <p:cNvGrpSpPr/>
-        <p:nvPr/>
-      </p:nvGrpSpPr>
-      <p:grpSpPr>
-        <a:xfrm>
-          <a:off x="0" y="0"/>
-          <a:ext cx="0" cy="0"/>
-          <a:chOff x="0" y="0"/>
-          <a:chExt cx="0" cy="0"/>
-        </a:xfrm>
-      </p:grpSpPr>
-      <p:sp>
-        <p:nvSpPr>
-          <p:cNvPr id="5" name="Title 4"/>
-          <p:cNvSpPr>
-            <a:spLocks noGrp="1"/>
-          </p:cNvSpPr>
-          <p:nvPr>
-            <p:ph type="title"/>
-          </p:nvPr>
-        </p:nvSpPr>
-        <p:spPr/>
-        <p:txBody>
-          <a:bodyPr/>
-          <a:lstStyle/>
-          <a:p>
-            <a:r>
-              <a:rPr lang="en-US" dirty="0" smtClean="0">
-                <a:latin typeface="Calibri" charset="0"/>
-                <a:cs typeface="Calibri" charset="0"/>
-                <a:sym typeface="Calibri" charset="0"/>
-              </a:rPr>
-              <a:t>WHAT IS CLOUD DNS?</a:t>
-            </a:r>
-            <a:endParaRPr lang="en-US" dirty="0"/>
-          </a:p>
-        </p:txBody>
-      </p:sp>
-      <p:sp>
-        <p:nvSpPr>
-          <p:cNvPr id="6" name="Content Placeholder 5"/>
-          <p:cNvSpPr>
-            <a:spLocks noGrp="1"/>
-          </p:cNvSpPr>
-          <p:nvPr>
-            <p:ph sz="half" idx="1"/>
-          </p:nvPr>
-        </p:nvSpPr>
-        <p:spPr>
-          <a:xfrm>
-            <a:off x="457200" y="1598613"/>
-            <a:ext cx="8305800" cy="4527550"/>
-          </a:xfrm>
-        </p:spPr>
-        <p:txBody>
-          <a:bodyPr>
-            <a:normAutofit/>
-          </a:bodyPr>
-          <a:lstStyle/>
-          <a:p>
-            <a:pPr marL="457200" indent="-457200">
-              <a:buFont typeface="Arial"/>
-              <a:buChar char="•"/>
-            </a:pPr>
-            <a:r>
-              <a:rPr lang="en-US" dirty="0" err="1" smtClean="0"/>
-              <a:t>RESTful</a:t>
-            </a:r>
-            <a:r>
-              <a:rPr lang="en-US" dirty="0" smtClean="0"/>
-              <a:t> API for managing Cloud customer domains</a:t>
-            </a:r>
-            <a:endParaRPr lang="en-US" dirty="0"/>
-          </a:p>
-          <a:p>
-            <a:pPr marL="457200" indent="-457200">
-              <a:buFont typeface="Arial"/>
-              <a:buChar char="•"/>
-            </a:pPr>
-            <a:endParaRPr lang="en-US" dirty="0"/>
-          </a:p>
-          <a:p>
-            <a:pPr marL="819150" lvl="1" indent="-457200">
-              <a:buFont typeface="Arial"/>
-              <a:buChar char="•"/>
-            </a:pPr>
-            <a:r>
-              <a:rPr lang="en-US" dirty="0" smtClean="0"/>
-              <a:t>Public API for customers</a:t>
-            </a:r>
-          </a:p>
-          <a:p>
-            <a:pPr marL="457200" indent="-457200">
-              <a:buFont typeface="Arial"/>
-              <a:buChar char="•"/>
-            </a:pPr>
-            <a:endParaRPr lang="en-US" dirty="0" smtClean="0"/>
-          </a:p>
-          <a:p>
-            <a:pPr marL="819150" lvl="1" indent="-457200">
-              <a:buFont typeface="Arial"/>
-              <a:buChar char="•"/>
-            </a:pPr>
-            <a:r>
-              <a:rPr lang="en-US" dirty="0" smtClean="0"/>
-              <a:t>Management API for internal use</a:t>
-            </a:r>
-          </a:p>
-          <a:p>
-            <a:pPr marL="457200" indent="-457200">
-              <a:buFont typeface="Arial"/>
-              <a:buChar char="•"/>
-            </a:pPr>
-            <a:endParaRPr lang="en-US" dirty="0"/>
-          </a:p>
-          <a:p>
-            <a:pPr marL="457200" indent="-457200">
-              <a:buFont typeface="Arial"/>
-              <a:buChar char="•"/>
-            </a:pPr>
-            <a:r>
-              <a:rPr lang="en-US" dirty="0" smtClean="0"/>
-              <a:t>Free; value add for any Cloud customer</a:t>
-            </a:r>
-            <a:endParaRPr lang="en-US" dirty="0"/>
-          </a:p>
-          <a:p>
-            <a:pPr marL="457200" indent="-457200">
-              <a:buFont typeface="Arial"/>
-              <a:buChar char="•"/>
-            </a:pPr>
-            <a:endParaRPr lang="en-US" dirty="0"/>
-          </a:p>
-        </p:txBody>
-      </p:sp>
-      <p:sp>
-        <p:nvSpPr>
-          <p:cNvPr id="4" name="Slide Number Placeholder 3"/>
-          <p:cNvSpPr>
-            <a:spLocks noGrp="1"/>
-          </p:cNvSpPr>
-          <p:nvPr>
-            <p:ph type="sldNum" sz="quarter" idx="10"/>
-          </p:nvPr>
-        </p:nvSpPr>
-        <p:spPr/>
-        <p:txBody>
-          <a:bodyPr/>
-          <a:lstStyle/>
-          <a:p>
-            <a:pPr>
-              <a:defRPr/>
-            </a:pPr>
-            <a:fld id="{884F1976-FC0F-224B-8A7A-A2BF98A1E361}" type="slidenum">
-              <a:rPr lang="en-US" smtClean="0"/>
-              <a:pPr>
-                <a:defRPr/>
-              </a:pPr>
-              <a:t>3</a:t>
-            </a:fld>
-            <a:endParaRPr lang="en-US" dirty="0"/>
-          </a:p>
-        </p:txBody>
-      </p:sp>
-    </p:spTree>
-    <p:extLst>
-      <p:ext uri="{BB962C8B-B14F-4D97-AF65-F5344CB8AC3E}">
-        <p14:creationId xmlns:p14="http://schemas.microsoft.com/office/powerpoint/2010/main" val="1090119949"/>
       </p:ext>
     </p:extLst>
   </p:cSld>
